--- a/2018_10_31_Intro_to_stats.pptx
+++ b/2018_10_31_Intro_to_stats.pptx
@@ -116,7 +116,7 @@
   </p:defaultTextStyle>
   <p:extLst>
     <p:ext uri="{EFAFB233-063F-42B5-8137-9DF3F51BA10A}">
-      <p15:sldGuideLst xmlns:p15="http://schemas.microsoft.com/office/powerpoint/2012/main">
+      <p15:sldGuideLst xmlns:p15="http://schemas.microsoft.com/office/powerpoint/2012/main" xmlns="">
         <p15:guide id="1" orient="horz" pos="2160">
           <p15:clr>
             <a:srgbClr val="A4A3A4"/>
@@ -215,7 +215,7 @@
           <a:p>
             <a:fld id="{E703D2C2-2178-7344-A685-AB8041FBE404}" type="datetimeFigureOut">
               <a:rPr lang="en-US" smtClean="0"/>
-              <a:t>10/30/18</a:t>
+              <a:t>30/10/18</a:t>
             </a:fld>
             <a:endParaRPr lang="en-US"/>
           </a:p>
@@ -1147,12 +1147,52 @@
           <a:p>
             <a:r>
               <a:rPr lang="en-US" dirty="0"/>
-              <a:t>Talks about </a:t>
-            </a:r>
-            <a:r>
-              <a:rPr lang="en-US"/>
-              <a:t>drug companies</a:t>
-            </a:r>
+              <a:t>Talks about drug </a:t>
+            </a:r>
+            <a:r>
+              <a:rPr lang="en-US" dirty="0" smtClean="0"/>
+              <a:t>companies – trials to test drugs much more likely to be positive than independent</a:t>
+            </a:r>
+            <a:r>
+              <a:rPr lang="en-US" baseline="0" dirty="0" smtClean="0"/>
+              <a:t> studies. </a:t>
+            </a:r>
+          </a:p>
+          <a:p>
+            <a:endParaRPr lang="en-US" baseline="0" dirty="0" smtClean="0"/>
+          </a:p>
+          <a:p>
+            <a:r>
+              <a:rPr lang="en-US" baseline="0" dirty="0" smtClean="0"/>
+              <a:t>Can we test this?</a:t>
+            </a:r>
+          </a:p>
+          <a:p>
+            <a:endParaRPr lang="en-US" baseline="0" dirty="0" smtClean="0"/>
+          </a:p>
+          <a:p>
+            <a:r>
+              <a:rPr lang="en-US" dirty="0" smtClean="0"/>
+              <a:t>https://</a:t>
+            </a:r>
+            <a:r>
+              <a:rPr lang="en-US" dirty="0" err="1" smtClean="0"/>
+              <a:t>www.ted.com</a:t>
+            </a:r>
+            <a:r>
+              <a:rPr lang="en-US" dirty="0" smtClean="0"/>
+              <a:t>/talks/</a:t>
+            </a:r>
+            <a:r>
+              <a:rPr lang="en-US" dirty="0" err="1" smtClean="0"/>
+              <a:t>ben_goldacre_battling_bad_science</a:t>
+            </a:r>
+            <a:r>
+              <a:rPr lang="en-US" smtClean="0"/>
+              <a:t>/transcript#t-668972</a:t>
+            </a:r>
+          </a:p>
+          <a:p>
             <a:endParaRPr lang="en-US" dirty="0"/>
           </a:p>
         </p:txBody>
@@ -1374,7 +1414,7 @@
           <a:p>
             <a:fld id="{6BFECD78-3C8E-49F2-8FAB-59489D168ABB}" type="datetimeFigureOut">
               <a:rPr lang="en-US" smtClean="0"/>
-              <a:t>10/30/18</a:t>
+              <a:t>30/10/18</a:t>
             </a:fld>
             <a:endParaRPr lang="en-US"/>
           </a:p>
@@ -1544,7 +1584,7 @@
           <a:p>
             <a:fld id="{6BFECD78-3C8E-49F2-8FAB-59489D168ABB}" type="datetimeFigureOut">
               <a:rPr lang="en-US" smtClean="0"/>
-              <a:t>10/30/18</a:t>
+              <a:t>30/10/18</a:t>
             </a:fld>
             <a:endParaRPr lang="en-US"/>
           </a:p>
@@ -1724,7 +1764,7 @@
           <a:p>
             <a:fld id="{6BFECD78-3C8E-49F2-8FAB-59489D168ABB}" type="datetimeFigureOut">
               <a:rPr lang="en-US" smtClean="0"/>
-              <a:t>10/30/18</a:t>
+              <a:t>30/10/18</a:t>
             </a:fld>
             <a:endParaRPr lang="en-US"/>
           </a:p>
@@ -1894,7 +1934,7 @@
           <a:p>
             <a:fld id="{6BFECD78-3C8E-49F2-8FAB-59489D168ABB}" type="datetimeFigureOut">
               <a:rPr lang="en-US" smtClean="0"/>
-              <a:t>10/30/18</a:t>
+              <a:t>30/10/18</a:t>
             </a:fld>
             <a:endParaRPr lang="en-US"/>
           </a:p>
@@ -2140,7 +2180,7 @@
           <a:p>
             <a:fld id="{6BFECD78-3C8E-49F2-8FAB-59489D168ABB}" type="datetimeFigureOut">
               <a:rPr lang="en-US" smtClean="0"/>
-              <a:t>10/30/18</a:t>
+              <a:t>30/10/18</a:t>
             </a:fld>
             <a:endParaRPr lang="en-US"/>
           </a:p>
@@ -2428,7 +2468,7 @@
           <a:p>
             <a:fld id="{6BFECD78-3C8E-49F2-8FAB-59489D168ABB}" type="datetimeFigureOut">
               <a:rPr lang="en-US" smtClean="0"/>
-              <a:t>10/30/18</a:t>
+              <a:t>30/10/18</a:t>
             </a:fld>
             <a:endParaRPr lang="en-US"/>
           </a:p>
@@ -2850,7 +2890,7 @@
           <a:p>
             <a:fld id="{6BFECD78-3C8E-49F2-8FAB-59489D168ABB}" type="datetimeFigureOut">
               <a:rPr lang="en-US" smtClean="0"/>
-              <a:t>10/30/18</a:t>
+              <a:t>30/10/18</a:t>
             </a:fld>
             <a:endParaRPr lang="en-US"/>
           </a:p>
@@ -2968,7 +3008,7 @@
           <a:p>
             <a:fld id="{6BFECD78-3C8E-49F2-8FAB-59489D168ABB}" type="datetimeFigureOut">
               <a:rPr lang="en-US" smtClean="0"/>
-              <a:t>10/30/18</a:t>
+              <a:t>30/10/18</a:t>
             </a:fld>
             <a:endParaRPr lang="en-US"/>
           </a:p>
@@ -3063,7 +3103,7 @@
           <a:p>
             <a:fld id="{6BFECD78-3C8E-49F2-8FAB-59489D168ABB}" type="datetimeFigureOut">
               <a:rPr lang="en-US" smtClean="0"/>
-              <a:t>10/30/18</a:t>
+              <a:t>30/10/18</a:t>
             </a:fld>
             <a:endParaRPr lang="en-US"/>
           </a:p>
@@ -3340,7 +3380,7 @@
           <a:p>
             <a:fld id="{6BFECD78-3C8E-49F2-8FAB-59489D168ABB}" type="datetimeFigureOut">
               <a:rPr lang="en-US" smtClean="0"/>
-              <a:t>10/30/18</a:t>
+              <a:t>30/10/18</a:t>
             </a:fld>
             <a:endParaRPr lang="en-US"/>
           </a:p>
@@ -3597,7 +3637,7 @@
           <a:p>
             <a:fld id="{6BFECD78-3C8E-49F2-8FAB-59489D168ABB}" type="datetimeFigureOut">
               <a:rPr lang="en-US" smtClean="0"/>
-              <a:t>10/30/18</a:t>
+              <a:t>30/10/18</a:t>
             </a:fld>
             <a:endParaRPr lang="en-US"/>
           </a:p>
@@ -3810,7 +3850,7 @@
           <a:p>
             <a:fld id="{6BFECD78-3C8E-49F2-8FAB-59489D168ABB}" type="datetimeFigureOut">
               <a:rPr lang="en-US" smtClean="0"/>
-              <a:t>10/30/18</a:t>
+              <a:t>30/10/18</a:t>
             </a:fld>
             <a:endParaRPr lang="en-US"/>
           </a:p>
@@ -4190,7 +4230,7 @@
           <p:cNvPr id="5" name="Picture 4">
             <a:extLst>
               <a:ext uri="{FF2B5EF4-FFF2-40B4-BE49-F238E27FC236}">
-                <a16:creationId xmlns:a16="http://schemas.microsoft.com/office/drawing/2014/main" id="{220D6C30-F061-2C4B-AE27-6EE895BC00E0}"/>
+                <a16:creationId xmlns:a16="http://schemas.microsoft.com/office/drawing/2014/main" xmlns="" id="{220D6C30-F061-2C4B-AE27-6EE895BC00E0}"/>
               </a:ext>
             </a:extLst>
           </p:cNvPr>
@@ -4212,7 +4252,7 @@
         </p:blipFill>
         <p:spPr>
           <a:xfrm>
-            <a:off x="2397210" y="4748408"/>
+            <a:off x="2397210" y="4539667"/>
             <a:ext cx="4349579" cy="1948954"/>
           </a:xfrm>
           <a:prstGeom prst="rect">
@@ -4232,7 +4272,7 @@
         </p:nvSpPr>
         <p:spPr>
           <a:xfrm>
-            <a:off x="685800" y="1240033"/>
+            <a:off x="685800" y="505020"/>
             <a:ext cx="7772400" cy="1470025"/>
           </a:xfrm>
         </p:spPr>
@@ -4259,7 +4299,7 @@
         </p:nvSpPr>
         <p:spPr>
           <a:xfrm>
-            <a:off x="1371600" y="2995808"/>
+            <a:off x="1371600" y="2260795"/>
             <a:ext cx="6400800" cy="1752600"/>
           </a:xfrm>
         </p:spPr>
@@ -4301,6 +4341,13 @@
   <p:clrMapOvr>
     <a:masterClrMapping/>
   </p:clrMapOvr>
+  <p:timing>
+    <p:tnLst>
+      <p:par>
+        <p:cTn xmlns:p14="http://schemas.microsoft.com/office/powerpoint/2010/main" id="1" dur="indefinite" restart="never" nodeType="tmRoot"/>
+      </p:par>
+    </p:tnLst>
+  </p:timing>
 </p:sld>
 </file>
 
@@ -4385,6 +4432,13 @@
   <p:clrMapOvr>
     <a:masterClrMapping/>
   </p:clrMapOvr>
+  <p:timing>
+    <p:tnLst>
+      <p:par>
+        <p:cTn xmlns:p14="http://schemas.microsoft.com/office/powerpoint/2010/main" id="1" dur="indefinite" restart="never" nodeType="tmRoot"/>
+      </p:par>
+    </p:tnLst>
+  </p:timing>
 </p:sld>
 </file>
 
@@ -4439,6 +4493,13 @@
   <p:clrMapOvr>
     <a:masterClrMapping/>
   </p:clrMapOvr>
+  <p:timing>
+    <p:tnLst>
+      <p:par>
+        <p:cTn xmlns:p14="http://schemas.microsoft.com/office/powerpoint/2010/main" id="1" dur="indefinite" restart="never" nodeType="tmRoot"/>
+      </p:par>
+    </p:tnLst>
+  </p:timing>
 </p:sld>
 </file>
 
@@ -4533,6 +4594,13 @@
   <p:clrMapOvr>
     <a:masterClrMapping/>
   </p:clrMapOvr>
+  <p:timing>
+    <p:tnLst>
+      <p:par>
+        <p:cTn xmlns:p14="http://schemas.microsoft.com/office/powerpoint/2010/main" id="1" dur="indefinite" restart="never" nodeType="tmRoot"/>
+      </p:par>
+    </p:tnLst>
+  </p:timing>
 </p:sld>
 </file>
 
@@ -4563,6 +4631,13 @@
   <p:clrMapOvr>
     <a:masterClrMapping/>
   </p:clrMapOvr>
+  <p:timing>
+    <p:tnLst>
+      <p:par>
+        <p:cTn xmlns:p14="http://schemas.microsoft.com/office/powerpoint/2010/main" id="1" dur="indefinite" restart="never" nodeType="tmRoot"/>
+      </p:par>
+    </p:tnLst>
+  </p:timing>
 </p:sld>
 </file>
 
@@ -4588,7 +4663,7 @@
           <p:cNvPr id="1026" name="Picture 2" descr="17798">
             <a:extLst>
               <a:ext uri="{FF2B5EF4-FFF2-40B4-BE49-F238E27FC236}">
-                <a16:creationId xmlns:a16="http://schemas.microsoft.com/office/drawing/2014/main" id="{0265A215-8937-574C-86C8-53E839F61F0E}"/>
+                <a16:creationId xmlns:a16="http://schemas.microsoft.com/office/drawing/2014/main" xmlns="" id="{0265A215-8937-574C-86C8-53E839F61F0E}"/>
               </a:ext>
             </a:extLst>
           </p:cNvPr>
@@ -4620,7 +4695,7 @@
           </a:prstGeom>
           <a:noFill/>
           <a:extLst>
-            <a:ext uri="{909E8E84-426E-40DD-AFC4-6F175D3DCCD1}">
+            <a:ext uri="{909E8E84-426E-40dd-AFC4-6F175D3DCCD1}">
               <a14:hiddenFill xmlns:a14="http://schemas.microsoft.com/office/drawing/2010/main">
                 <a:solidFill>
                   <a:srgbClr val="FFFFFF"/>
@@ -4640,6 +4715,13 @@
   <p:clrMapOvr>
     <a:masterClrMapping/>
   </p:clrMapOvr>
+  <p:timing>
+    <p:tnLst>
+      <p:par>
+        <p:cTn xmlns:p14="http://schemas.microsoft.com/office/powerpoint/2010/main" id="1" dur="indefinite" restart="never" nodeType="tmRoot"/>
+      </p:par>
+    </p:tnLst>
+  </p:timing>
 </p:sld>
 </file>
 
@@ -4665,7 +4747,7 @@
           <p:cNvPr id="2050" name="Picture 2" descr="Professor William McDougall, 1938. Image from Flickr user Duke Yearlook/Duke University Archives.">
             <a:extLst>
               <a:ext uri="{FF2B5EF4-FFF2-40B4-BE49-F238E27FC236}">
-                <a16:creationId xmlns:a16="http://schemas.microsoft.com/office/drawing/2014/main" id="{62838994-7FE8-3C40-A977-6A6EAF558E7A}"/>
+                <a16:creationId xmlns:a16="http://schemas.microsoft.com/office/drawing/2014/main" xmlns="" id="{62838994-7FE8-3C40-A977-6A6EAF558E7A}"/>
               </a:ext>
             </a:extLst>
           </p:cNvPr>
@@ -4697,7 +4779,7 @@
           </a:prstGeom>
           <a:noFill/>
           <a:extLst>
-            <a:ext uri="{909E8E84-426E-40DD-AFC4-6F175D3DCCD1}">
+            <a:ext uri="{909E8E84-426E-40dd-AFC4-6F175D3DCCD1}">
               <a14:hiddenFill xmlns:a14="http://schemas.microsoft.com/office/drawing/2010/main">
                 <a:solidFill>
                   <a:srgbClr val="FFFFFF"/>
@@ -4712,7 +4794,7 @@
           <p:cNvPr id="2052" name="Picture 4" descr="Dr. Joseph Banks Rhine, 1956. Image from the State Archives of North Carolina. ">
             <a:extLst>
               <a:ext uri="{FF2B5EF4-FFF2-40B4-BE49-F238E27FC236}">
-                <a16:creationId xmlns:a16="http://schemas.microsoft.com/office/drawing/2014/main" id="{155F2990-356E-CA4F-BFD9-185D525DB6C6}"/>
+                <a16:creationId xmlns:a16="http://schemas.microsoft.com/office/drawing/2014/main" xmlns="" id="{155F2990-356E-CA4F-BFD9-185D525DB6C6}"/>
               </a:ext>
             </a:extLst>
           </p:cNvPr>
@@ -4744,7 +4826,7 @@
           </a:prstGeom>
           <a:noFill/>
           <a:extLst>
-            <a:ext uri="{909E8E84-426E-40DD-AFC4-6F175D3DCCD1}">
+            <a:ext uri="{909E8E84-426E-40dd-AFC4-6F175D3DCCD1}">
               <a14:hiddenFill xmlns:a14="http://schemas.microsoft.com/office/drawing/2010/main">
                 <a:solidFill>
                   <a:srgbClr val="FFFFFF"/>
@@ -4759,7 +4841,7 @@
           <p:cNvPr id="2054" name="Picture 6" descr="shield">
             <a:extLst>
               <a:ext uri="{FF2B5EF4-FFF2-40B4-BE49-F238E27FC236}">
-                <a16:creationId xmlns:a16="http://schemas.microsoft.com/office/drawing/2014/main" id="{98C6140D-A760-9649-B54D-881377D4F481}"/>
+                <a16:creationId xmlns:a16="http://schemas.microsoft.com/office/drawing/2014/main" xmlns="" id="{98C6140D-A760-9649-B54D-881377D4F481}"/>
               </a:ext>
             </a:extLst>
           </p:cNvPr>
@@ -4791,7 +4873,7 @@
           </a:prstGeom>
           <a:noFill/>
           <a:extLst>
-            <a:ext uri="{909E8E84-426E-40DD-AFC4-6F175D3DCCD1}">
+            <a:ext uri="{909E8E84-426E-40dd-AFC4-6F175D3DCCD1}">
               <a14:hiddenFill xmlns:a14="http://schemas.microsoft.com/office/drawing/2010/main">
                 <a:solidFill>
                   <a:srgbClr val="FFFFFF"/>
@@ -4806,7 +4888,7 @@
           <p:cNvPr id="2056" name="Picture 8" descr="https://upload.wikimedia.org/wikipedia/commons/thumb/5/58/Oxford_University_Coat_Of_Arms.svg/220px-Oxford_University_Coat_Of_Arms.svg.png">
             <a:extLst>
               <a:ext uri="{FF2B5EF4-FFF2-40B4-BE49-F238E27FC236}">
-                <a16:creationId xmlns:a16="http://schemas.microsoft.com/office/drawing/2014/main" id="{F77AC326-E1E8-A14F-A607-5935CCCCA096}"/>
+                <a16:creationId xmlns:a16="http://schemas.microsoft.com/office/drawing/2014/main" xmlns="" id="{F77AC326-E1E8-A14F-A607-5935CCCCA096}"/>
               </a:ext>
             </a:extLst>
           </p:cNvPr>
@@ -4838,7 +4920,7 @@
           </a:prstGeom>
           <a:noFill/>
           <a:extLst>
-            <a:ext uri="{909E8E84-426E-40DD-AFC4-6F175D3DCCD1}">
+            <a:ext uri="{909E8E84-426E-40dd-AFC4-6F175D3DCCD1}">
               <a14:hiddenFill xmlns:a14="http://schemas.microsoft.com/office/drawing/2010/main">
                 <a:solidFill>
                   <a:srgbClr val="FFFFFF"/>
@@ -4853,7 +4935,7 @@
           <p:cNvPr id="2060" name="Picture 12" descr="Duke University Seal">
             <a:extLst>
               <a:ext uri="{FF2B5EF4-FFF2-40B4-BE49-F238E27FC236}">
-                <a16:creationId xmlns:a16="http://schemas.microsoft.com/office/drawing/2014/main" id="{B6F0C447-11CC-9F40-9A4F-98F6C74DA909}"/>
+                <a16:creationId xmlns:a16="http://schemas.microsoft.com/office/drawing/2014/main" xmlns="" id="{B6F0C447-11CC-9F40-9A4F-98F6C74DA909}"/>
               </a:ext>
             </a:extLst>
           </p:cNvPr>
@@ -4885,7 +4967,7 @@
           </a:prstGeom>
           <a:noFill/>
           <a:extLst>
-            <a:ext uri="{909E8E84-426E-40DD-AFC4-6F175D3DCCD1}">
+            <a:ext uri="{909E8E84-426E-40dd-AFC4-6F175D3DCCD1}">
               <a14:hiddenFill xmlns:a14="http://schemas.microsoft.com/office/drawing/2010/main">
                 <a:solidFill>
                   <a:srgbClr val="FFFFFF"/>
@@ -4905,6 +4987,13 @@
   <p:clrMapOvr>
     <a:masterClrMapping/>
   </p:clrMapOvr>
+  <p:timing>
+    <p:tnLst>
+      <p:par>
+        <p:cTn xmlns:p14="http://schemas.microsoft.com/office/powerpoint/2010/main" id="1" dur="indefinite" restart="never" nodeType="tmRoot"/>
+      </p:par>
+    </p:tnLst>
+  </p:timing>
 </p:sld>
 </file>
 
@@ -4930,7 +5019,7 @@
           <p:cNvPr id="3074" name="Picture 2" descr="4605017">
             <a:extLst>
               <a:ext uri="{FF2B5EF4-FFF2-40B4-BE49-F238E27FC236}">
-                <a16:creationId xmlns:a16="http://schemas.microsoft.com/office/drawing/2014/main" id="{96A7F862-C68C-D145-ADA7-773BD087D74C}"/>
+                <a16:creationId xmlns:a16="http://schemas.microsoft.com/office/drawing/2014/main" xmlns="" id="{96A7F862-C68C-D145-ADA7-773BD087D74C}"/>
               </a:ext>
             </a:extLst>
           </p:cNvPr>
@@ -4962,7 +5051,7 @@
           </a:prstGeom>
           <a:noFill/>
           <a:extLst>
-            <a:ext uri="{909E8E84-426E-40DD-AFC4-6F175D3DCCD1}">
+            <a:ext uri="{909E8E84-426E-40dd-AFC4-6F175D3DCCD1}">
               <a14:hiddenFill xmlns:a14="http://schemas.microsoft.com/office/drawing/2010/main">
                 <a:solidFill>
                   <a:srgbClr val="FFFFFF"/>
@@ -4977,7 +5066,7 @@
           <p:cNvPr id="3076" name="Picture 4" descr="16102686">
             <a:extLst>
               <a:ext uri="{FF2B5EF4-FFF2-40B4-BE49-F238E27FC236}">
-                <a16:creationId xmlns:a16="http://schemas.microsoft.com/office/drawing/2014/main" id="{DD7B4FD8-CFA3-E24C-9C13-1FF3A6128D92}"/>
+                <a16:creationId xmlns:a16="http://schemas.microsoft.com/office/drawing/2014/main" xmlns="" id="{DD7B4FD8-CFA3-E24C-9C13-1FF3A6128D92}"/>
               </a:ext>
             </a:extLst>
           </p:cNvPr>
@@ -5009,7 +5098,7 @@
           </a:prstGeom>
           <a:noFill/>
           <a:extLst>
-            <a:ext uri="{909E8E84-426E-40DD-AFC4-6F175D3DCCD1}">
+            <a:ext uri="{909E8E84-426E-40dd-AFC4-6F175D3DCCD1}">
               <a14:hiddenFill xmlns:a14="http://schemas.microsoft.com/office/drawing/2010/main">
                 <a:solidFill>
                   <a:srgbClr val="FFFFFF"/>
@@ -5029,6 +5118,13 @@
   <p:clrMapOvr>
     <a:masterClrMapping/>
   </p:clrMapOvr>
+  <p:timing>
+    <p:tnLst>
+      <p:par>
+        <p:cTn xmlns:p14="http://schemas.microsoft.com/office/powerpoint/2010/main" id="1" dur="indefinite" restart="never" nodeType="tmRoot"/>
+      </p:par>
+    </p:tnLst>
+  </p:timing>
 </p:sld>
 </file>
 

--- a/2018_10_31_Intro_to_stats.pptx
+++ b/2018_10_31_Intro_to_stats.pptx
@@ -116,7 +116,7 @@
   </p:defaultTextStyle>
   <p:extLst>
     <p:ext uri="{EFAFB233-063F-42B5-8137-9DF3F51BA10A}">
-      <p15:sldGuideLst xmlns:p15="http://schemas.microsoft.com/office/powerpoint/2012/main" xmlns="">
+      <p15:sldGuideLst xmlns="" xmlns:p15="http://schemas.microsoft.com/office/powerpoint/2012/main">
         <p15:guide id="1" orient="horz" pos="2160">
           <p15:clr>
             <a:srgbClr val="A4A3A4"/>
@@ -4230,7 +4230,7 @@
           <p:cNvPr id="5" name="Picture 4">
             <a:extLst>
               <a:ext uri="{FF2B5EF4-FFF2-40B4-BE49-F238E27FC236}">
-                <a16:creationId xmlns:a16="http://schemas.microsoft.com/office/drawing/2014/main" xmlns="" id="{220D6C30-F061-2C4B-AE27-6EE895BC00E0}"/>
+                <a16:creationId xmlns="" xmlns:a16="http://schemas.microsoft.com/office/drawing/2014/main" id="{220D6C30-F061-2C4B-AE27-6EE895BC00E0}"/>
               </a:ext>
             </a:extLst>
           </p:cNvPr>
@@ -4621,6 +4621,55 @@
           <a:chExt cx="0" cy="0"/>
         </a:xfrm>
       </p:grpSpPr>
+      <p:sp>
+        <p:nvSpPr>
+          <p:cNvPr id="2" name="TextBox 1"/>
+          <p:cNvSpPr txBox="1"/>
+          <p:nvPr/>
+        </p:nvSpPr>
+        <p:spPr>
+          <a:xfrm>
+            <a:off x="0" y="2122197"/>
+            <a:ext cx="9144000" cy="707886"/>
+          </a:xfrm>
+          <a:prstGeom prst="rect">
+            <a:avLst/>
+          </a:prstGeom>
+          <a:noFill/>
+        </p:spPr>
+        <p:txBody>
+          <a:bodyPr wrap="square" rtlCol="0">
+            <a:spAutoFit/>
+          </a:bodyPr>
+          <a:lstStyle/>
+          <a:p>
+            <a:pPr algn="ctr"/>
+            <a:r>
+              <a:rPr lang="en-US" sz="4000" dirty="0">
+                <a:solidFill>
+                  <a:srgbClr val="FFFFFF"/>
+                </a:solidFill>
+                <a:hlinkClick r:id="rId3"/>
+              </a:rPr>
+              <a:t>https://github.com/</a:t>
+            </a:r>
+            <a:r>
+              <a:rPr lang="en-US" sz="4000" dirty="0" err="1">
+                <a:solidFill>
+                  <a:srgbClr val="FFFFFF"/>
+                </a:solidFill>
+                <a:hlinkClick r:id="rId3"/>
+              </a:rPr>
+              <a:t>jpwhalley</a:t>
+            </a:r>
+            <a:endParaRPr lang="en-US" sz="4000" dirty="0">
+              <a:solidFill>
+                <a:srgbClr val="FFFFFF"/>
+              </a:solidFill>
+            </a:endParaRPr>
+          </a:p>
+        </p:txBody>
+      </p:sp>
     </p:spTree>
     <p:extLst>
       <p:ext uri="{BB962C8B-B14F-4D97-AF65-F5344CB8AC3E}">
@@ -4663,7 +4712,7 @@
           <p:cNvPr id="1026" name="Picture 2" descr="17798">
             <a:extLst>
               <a:ext uri="{FF2B5EF4-FFF2-40B4-BE49-F238E27FC236}">
-                <a16:creationId xmlns:a16="http://schemas.microsoft.com/office/drawing/2014/main" xmlns="" id="{0265A215-8937-574C-86C8-53E839F61F0E}"/>
+                <a16:creationId xmlns="" xmlns:a16="http://schemas.microsoft.com/office/drawing/2014/main" id="{0265A215-8937-574C-86C8-53E839F61F0E}"/>
               </a:ext>
             </a:extLst>
           </p:cNvPr>
@@ -4747,7 +4796,7 @@
           <p:cNvPr id="2050" name="Picture 2" descr="Professor William McDougall, 1938. Image from Flickr user Duke Yearlook/Duke University Archives.">
             <a:extLst>
               <a:ext uri="{FF2B5EF4-FFF2-40B4-BE49-F238E27FC236}">
-                <a16:creationId xmlns:a16="http://schemas.microsoft.com/office/drawing/2014/main" xmlns="" id="{62838994-7FE8-3C40-A977-6A6EAF558E7A}"/>
+                <a16:creationId xmlns="" xmlns:a16="http://schemas.microsoft.com/office/drawing/2014/main" id="{62838994-7FE8-3C40-A977-6A6EAF558E7A}"/>
               </a:ext>
             </a:extLst>
           </p:cNvPr>
@@ -4794,7 +4843,7 @@
           <p:cNvPr id="2052" name="Picture 4" descr="Dr. Joseph Banks Rhine, 1956. Image from the State Archives of North Carolina. ">
             <a:extLst>
               <a:ext uri="{FF2B5EF4-FFF2-40B4-BE49-F238E27FC236}">
-                <a16:creationId xmlns:a16="http://schemas.microsoft.com/office/drawing/2014/main" xmlns="" id="{155F2990-356E-CA4F-BFD9-185D525DB6C6}"/>
+                <a16:creationId xmlns="" xmlns:a16="http://schemas.microsoft.com/office/drawing/2014/main" id="{155F2990-356E-CA4F-BFD9-185D525DB6C6}"/>
               </a:ext>
             </a:extLst>
           </p:cNvPr>
@@ -4841,7 +4890,7 @@
           <p:cNvPr id="2054" name="Picture 6" descr="shield">
             <a:extLst>
               <a:ext uri="{FF2B5EF4-FFF2-40B4-BE49-F238E27FC236}">
-                <a16:creationId xmlns:a16="http://schemas.microsoft.com/office/drawing/2014/main" xmlns="" id="{98C6140D-A760-9649-B54D-881377D4F481}"/>
+                <a16:creationId xmlns="" xmlns:a16="http://schemas.microsoft.com/office/drawing/2014/main" id="{98C6140D-A760-9649-B54D-881377D4F481}"/>
               </a:ext>
             </a:extLst>
           </p:cNvPr>
@@ -4888,7 +4937,7 @@
           <p:cNvPr id="2056" name="Picture 8" descr="https://upload.wikimedia.org/wikipedia/commons/thumb/5/58/Oxford_University_Coat_Of_Arms.svg/220px-Oxford_University_Coat_Of_Arms.svg.png">
             <a:extLst>
               <a:ext uri="{FF2B5EF4-FFF2-40B4-BE49-F238E27FC236}">
-                <a16:creationId xmlns:a16="http://schemas.microsoft.com/office/drawing/2014/main" xmlns="" id="{F77AC326-E1E8-A14F-A607-5935CCCCA096}"/>
+                <a16:creationId xmlns="" xmlns:a16="http://schemas.microsoft.com/office/drawing/2014/main" id="{F77AC326-E1E8-A14F-A607-5935CCCCA096}"/>
               </a:ext>
             </a:extLst>
           </p:cNvPr>
@@ -4935,7 +4984,7 @@
           <p:cNvPr id="2060" name="Picture 12" descr="Duke University Seal">
             <a:extLst>
               <a:ext uri="{FF2B5EF4-FFF2-40B4-BE49-F238E27FC236}">
-                <a16:creationId xmlns:a16="http://schemas.microsoft.com/office/drawing/2014/main" xmlns="" id="{B6F0C447-11CC-9F40-9A4F-98F6C74DA909}"/>
+                <a16:creationId xmlns="" xmlns:a16="http://schemas.microsoft.com/office/drawing/2014/main" id="{B6F0C447-11CC-9F40-9A4F-98F6C74DA909}"/>
               </a:ext>
             </a:extLst>
           </p:cNvPr>
@@ -5019,7 +5068,7 @@
           <p:cNvPr id="3074" name="Picture 2" descr="4605017">
             <a:extLst>
               <a:ext uri="{FF2B5EF4-FFF2-40B4-BE49-F238E27FC236}">
-                <a16:creationId xmlns:a16="http://schemas.microsoft.com/office/drawing/2014/main" xmlns="" id="{96A7F862-C68C-D145-ADA7-773BD087D74C}"/>
+                <a16:creationId xmlns="" xmlns:a16="http://schemas.microsoft.com/office/drawing/2014/main" id="{96A7F862-C68C-D145-ADA7-773BD087D74C}"/>
               </a:ext>
             </a:extLst>
           </p:cNvPr>
@@ -5066,7 +5115,7 @@
           <p:cNvPr id="3076" name="Picture 4" descr="16102686">
             <a:extLst>
               <a:ext uri="{FF2B5EF4-FFF2-40B4-BE49-F238E27FC236}">
-                <a16:creationId xmlns:a16="http://schemas.microsoft.com/office/drawing/2014/main" xmlns="" id="{DD7B4FD8-CFA3-E24C-9C13-1FF3A6128D92}"/>
+                <a16:creationId xmlns="" xmlns:a16="http://schemas.microsoft.com/office/drawing/2014/main" id="{DD7B4FD8-CFA3-E24C-9C13-1FF3A6128D92}"/>
               </a:ext>
             </a:extLst>
           </p:cNvPr>
